--- a/img/fig.pptx
+++ b/img/fig.pptx
@@ -5,10 +5,12 @@
     <p:sldMasterId id="2147483650" r:id="rId1"/>
   </p:sldMasterIdLst>
   <p:notesMasterIdLst>
-    <p:notesMasterId r:id="rId3"/>
+    <p:notesMasterId r:id="rId5"/>
   </p:notesMasterIdLst>
   <p:sldIdLst>
     <p:sldId id="256" r:id="rId2"/>
+    <p:sldId id="257" r:id="rId3"/>
+    <p:sldId id="258" r:id="rId4"/>
   </p:sldIdLst>
   <p:sldSz cx="9906000" cy="6858000" type="A4"/>
   <p:notesSz cx="6858000" cy="9144000"/>
@@ -107,6 +109,11 @@
       </a:defRPr>
     </a:lvl9pPr>
   </p:defaultTextStyle>
+  <p:extLst>
+    <p:ext uri="{EFAFB233-063F-42B5-8137-9DF3F51BA10A}">
+      <p15:sldGuideLst xmlns:p15="http://schemas.microsoft.com/office/powerpoint/2012/main"/>
+    </p:ext>
+  </p:extLst>
 </p:presentation>
 </file>
 
@@ -3716,7 +3723,7 @@
         </p:blipFill>
         <p:spPr>
           <a:xfrm>
-            <a:off x="3512840" y="3501008"/>
+            <a:off x="4232920" y="3284984"/>
             <a:ext cx="2033174" cy="1941681"/>
           </a:xfrm>
           <a:prstGeom prst="rect">
@@ -3746,7 +3753,7 @@
         </p:blipFill>
         <p:spPr>
           <a:xfrm>
-            <a:off x="1780111" y="3873491"/>
+            <a:off x="2144688" y="3645024"/>
             <a:ext cx="1363084" cy="1363084"/>
           </a:xfrm>
           <a:prstGeom prst="rect">
@@ -3776,7 +3783,7 @@
         </p:blipFill>
         <p:spPr>
           <a:xfrm rot="1800000">
-            <a:off x="3269433" y="4162203"/>
+            <a:off x="3647283" y="3885488"/>
             <a:ext cx="487729" cy="380429"/>
           </a:xfrm>
           <a:prstGeom prst="rect">
@@ -4542,10 +4549,1619 @@
           </a:p>
         </p:txBody>
       </p:sp>
+      <p:cxnSp>
+        <p:nvCxnSpPr>
+          <p:cNvPr id="3" name="直線コネクタ 2">
+            <a:extLst>
+              <a:ext uri="{FF2B5EF4-FFF2-40B4-BE49-F238E27FC236}">
+                <a16:creationId xmlns:a16="http://schemas.microsoft.com/office/drawing/2014/main" id="{0E446F28-EE62-4D46-AB71-D34A4B315507}"/>
+              </a:ext>
+            </a:extLst>
+          </p:cNvPr>
+          <p:cNvCxnSpPr/>
+          <p:nvPr/>
+        </p:nvCxnSpPr>
+        <p:spPr>
+          <a:xfrm>
+            <a:off x="4232920" y="4005064"/>
+            <a:ext cx="288032" cy="0"/>
+          </a:xfrm>
+          <a:prstGeom prst="line">
+            <a:avLst/>
+          </a:prstGeom>
+          <a:ln>
+            <a:solidFill>
+              <a:schemeClr val="tx1"/>
+            </a:solidFill>
+          </a:ln>
+        </p:spPr>
+        <p:style>
+          <a:lnRef idx="1">
+            <a:schemeClr val="accent1"/>
+          </a:lnRef>
+          <a:fillRef idx="0">
+            <a:schemeClr val="accent1"/>
+          </a:fillRef>
+          <a:effectRef idx="0">
+            <a:schemeClr val="accent1"/>
+          </a:effectRef>
+          <a:fontRef idx="minor">
+            <a:schemeClr val="tx1"/>
+          </a:fontRef>
+        </p:style>
+      </p:cxnSp>
+      <p:cxnSp>
+        <p:nvCxnSpPr>
+          <p:cNvPr id="22" name="直線コネクタ 21">
+            <a:extLst>
+              <a:ext uri="{FF2B5EF4-FFF2-40B4-BE49-F238E27FC236}">
+                <a16:creationId xmlns:a16="http://schemas.microsoft.com/office/drawing/2014/main" id="{38CCBB2D-2AE7-7D4E-9CDC-131A905C1F19}"/>
+              </a:ext>
+            </a:extLst>
+          </p:cNvPr>
+          <p:cNvCxnSpPr/>
+          <p:nvPr/>
+        </p:nvCxnSpPr>
+        <p:spPr>
+          <a:xfrm>
+            <a:off x="4232920" y="4077072"/>
+            <a:ext cx="288032" cy="0"/>
+          </a:xfrm>
+          <a:prstGeom prst="line">
+            <a:avLst/>
+          </a:prstGeom>
+          <a:ln>
+            <a:solidFill>
+              <a:schemeClr val="tx1"/>
+            </a:solidFill>
+          </a:ln>
+        </p:spPr>
+        <p:style>
+          <a:lnRef idx="1">
+            <a:schemeClr val="accent1"/>
+          </a:lnRef>
+          <a:fillRef idx="0">
+            <a:schemeClr val="accent1"/>
+          </a:fillRef>
+          <a:effectRef idx="0">
+            <a:schemeClr val="accent1"/>
+          </a:effectRef>
+          <a:fontRef idx="minor">
+            <a:schemeClr val="tx1"/>
+          </a:fontRef>
+        </p:style>
+      </p:cxnSp>
+      <p:cxnSp>
+        <p:nvCxnSpPr>
+          <p:cNvPr id="23" name="直線コネクタ 22">
+            <a:extLst>
+              <a:ext uri="{FF2B5EF4-FFF2-40B4-BE49-F238E27FC236}">
+                <a16:creationId xmlns:a16="http://schemas.microsoft.com/office/drawing/2014/main" id="{5CF25A75-29C7-DF4A-B5FE-325C094D9933}"/>
+              </a:ext>
+            </a:extLst>
+          </p:cNvPr>
+          <p:cNvCxnSpPr/>
+          <p:nvPr/>
+        </p:nvCxnSpPr>
+        <p:spPr>
+          <a:xfrm>
+            <a:off x="4232920" y="4149080"/>
+            <a:ext cx="288032" cy="0"/>
+          </a:xfrm>
+          <a:prstGeom prst="line">
+            <a:avLst/>
+          </a:prstGeom>
+          <a:ln>
+            <a:solidFill>
+              <a:schemeClr val="tx1"/>
+            </a:solidFill>
+          </a:ln>
+        </p:spPr>
+        <p:style>
+          <a:lnRef idx="1">
+            <a:schemeClr val="accent1"/>
+          </a:lnRef>
+          <a:fillRef idx="0">
+            <a:schemeClr val="accent1"/>
+          </a:fillRef>
+          <a:effectRef idx="0">
+            <a:schemeClr val="accent1"/>
+          </a:effectRef>
+          <a:fontRef idx="minor">
+            <a:schemeClr val="tx1"/>
+          </a:fontRef>
+        </p:style>
+      </p:cxnSp>
     </p:spTree>
     <p:extLst>
       <p:ext uri="{BB962C8B-B14F-4D97-AF65-F5344CB8AC3E}">
         <p14:creationId xmlns:p14="http://schemas.microsoft.com/office/powerpoint/2010/main" val="87871542"/>
+      </p:ext>
+    </p:extLst>
+  </p:cSld>
+  <p:clrMapOvr>
+    <a:masterClrMapping/>
+  </p:clrMapOvr>
+</p:sld>
+</file>
+
+<file path=ppt/slides/slide2.xml><?xml version="1.0" encoding="utf-8"?>
+<p:sld xmlns:a="http://schemas.openxmlformats.org/drawingml/2006/main" xmlns:r="http://schemas.openxmlformats.org/officeDocument/2006/relationships" xmlns:p="http://schemas.openxmlformats.org/presentationml/2006/main">
+  <p:cSld>
+    <p:spTree>
+      <p:nvGrpSpPr>
+        <p:cNvPr id="1" name=""/>
+        <p:cNvGrpSpPr/>
+        <p:nvPr/>
+      </p:nvGrpSpPr>
+      <p:grpSpPr>
+        <a:xfrm>
+          <a:off x="0" y="0"/>
+          <a:ext cx="0" cy="0"/>
+          <a:chOff x="0" y="0"/>
+          <a:chExt cx="0" cy="0"/>
+        </a:xfrm>
+      </p:grpSpPr>
+      <p:pic>
+        <p:nvPicPr>
+          <p:cNvPr id="2" name="図 1">
+            <a:extLst>
+              <a:ext uri="{FF2B5EF4-FFF2-40B4-BE49-F238E27FC236}">
+                <a16:creationId xmlns:a16="http://schemas.microsoft.com/office/drawing/2014/main" id="{272F50EE-609F-FD4B-BCF1-B9AA09E558CF}"/>
+              </a:ext>
+            </a:extLst>
+          </p:cNvPr>
+          <p:cNvPicPr>
+            <a:picLocks noChangeAspect="1"/>
+          </p:cNvPicPr>
+          <p:nvPr/>
+        </p:nvPicPr>
+        <p:blipFill>
+          <a:blip r:embed="rId2"/>
+          <a:stretch>
+            <a:fillRect/>
+          </a:stretch>
+        </p:blipFill>
+        <p:spPr>
+          <a:xfrm>
+            <a:off x="4016896" y="1412776"/>
+            <a:ext cx="792088" cy="1237638"/>
+          </a:xfrm>
+          <a:prstGeom prst="rect">
+            <a:avLst/>
+          </a:prstGeom>
+        </p:spPr>
+      </p:pic>
+      <p:pic>
+        <p:nvPicPr>
+          <p:cNvPr id="3" name="図 2">
+            <a:extLst>
+              <a:ext uri="{FF2B5EF4-FFF2-40B4-BE49-F238E27FC236}">
+                <a16:creationId xmlns:a16="http://schemas.microsoft.com/office/drawing/2014/main" id="{5B5E29FE-8649-9841-BE7B-7902D1CCE40E}"/>
+              </a:ext>
+            </a:extLst>
+          </p:cNvPr>
+          <p:cNvPicPr>
+            <a:picLocks noChangeAspect="1"/>
+          </p:cNvPicPr>
+          <p:nvPr/>
+        </p:nvPicPr>
+        <p:blipFill>
+          <a:blip r:embed="rId3"/>
+          <a:stretch>
+            <a:fillRect/>
+          </a:stretch>
+        </p:blipFill>
+        <p:spPr>
+          <a:xfrm>
+            <a:off x="3944888" y="404664"/>
+            <a:ext cx="814414" cy="909960"/>
+          </a:xfrm>
+          <a:prstGeom prst="rect">
+            <a:avLst/>
+          </a:prstGeom>
+        </p:spPr>
+      </p:pic>
+      <p:pic>
+        <p:nvPicPr>
+          <p:cNvPr id="12" name="図 11">
+            <a:extLst>
+              <a:ext uri="{FF2B5EF4-FFF2-40B4-BE49-F238E27FC236}">
+                <a16:creationId xmlns:a16="http://schemas.microsoft.com/office/drawing/2014/main" id="{A55F8035-335E-A243-B756-D2B527494906}"/>
+              </a:ext>
+            </a:extLst>
+          </p:cNvPr>
+          <p:cNvPicPr>
+            <a:picLocks noChangeAspect="1"/>
+          </p:cNvPicPr>
+          <p:nvPr/>
+        </p:nvPicPr>
+        <p:blipFill>
+          <a:blip r:embed="rId3"/>
+          <a:stretch>
+            <a:fillRect/>
+          </a:stretch>
+        </p:blipFill>
+        <p:spPr>
+          <a:xfrm>
+            <a:off x="3368824" y="3933056"/>
+            <a:ext cx="814414" cy="909960"/>
+          </a:xfrm>
+          <a:prstGeom prst="rect">
+            <a:avLst/>
+          </a:prstGeom>
+        </p:spPr>
+      </p:pic>
+      <p:sp>
+        <p:nvSpPr>
+          <p:cNvPr id="20" name="テキスト ボックス 19">
+            <a:extLst>
+              <a:ext uri="{FF2B5EF4-FFF2-40B4-BE49-F238E27FC236}">
+                <a16:creationId xmlns:a16="http://schemas.microsoft.com/office/drawing/2014/main" id="{0125DF00-E39D-604C-92B0-6B1A08B409D5}"/>
+              </a:ext>
+            </a:extLst>
+          </p:cNvPr>
+          <p:cNvSpPr txBox="1"/>
+          <p:nvPr/>
+        </p:nvSpPr>
+        <p:spPr>
+          <a:xfrm>
+            <a:off x="1352600" y="188640"/>
+            <a:ext cx="2964273" cy="369332"/>
+          </a:xfrm>
+          <a:prstGeom prst="rect">
+            <a:avLst/>
+          </a:prstGeom>
+          <a:noFill/>
+        </p:spPr>
+        <p:txBody>
+          <a:bodyPr wrap="none" rtlCol="0">
+            <a:spAutoFit/>
+          </a:bodyPr>
+          <a:lstStyle/>
+          <a:p>
+            <a:r>
+              <a:rPr kumimoji="1" lang="en-US" altLang="ja-JP"/>
+              <a:t>1) </a:t>
+            </a:r>
+            <a:r>
+              <a:rPr kumimoji="1" lang="ja-JP" altLang="en-US"/>
+              <a:t>次にどこに行くか決める</a:t>
+            </a:r>
+          </a:p>
+        </p:txBody>
+      </p:sp>
+      <p:sp>
+        <p:nvSpPr>
+          <p:cNvPr id="21" name="テキスト ボックス 20">
+            <a:extLst>
+              <a:ext uri="{FF2B5EF4-FFF2-40B4-BE49-F238E27FC236}">
+                <a16:creationId xmlns:a16="http://schemas.microsoft.com/office/drawing/2014/main" id="{7AEC0A35-7D5D-FF4D-92C3-2FBA2199877C}"/>
+              </a:ext>
+            </a:extLst>
+          </p:cNvPr>
+          <p:cNvSpPr txBox="1"/>
+          <p:nvPr/>
+        </p:nvSpPr>
+        <p:spPr>
+          <a:xfrm>
+            <a:off x="1424608" y="3429000"/>
+            <a:ext cx="6248827" cy="369332"/>
+          </a:xfrm>
+          <a:prstGeom prst="rect">
+            <a:avLst/>
+          </a:prstGeom>
+          <a:noFill/>
+        </p:spPr>
+        <p:txBody>
+          <a:bodyPr wrap="none" rtlCol="0">
+            <a:spAutoFit/>
+          </a:bodyPr>
+          <a:lstStyle/>
+          <a:p>
+            <a:r>
+              <a:rPr kumimoji="1" lang="en-US" altLang="ja-JP"/>
+              <a:t>2) </a:t>
+            </a:r>
+            <a:r>
+              <a:rPr kumimoji="1" lang="ja-JP" altLang="en-US"/>
+              <a:t>その場所に進む</a:t>
+            </a:r>
+            <a:r>
+              <a:rPr kumimoji="1" lang="en-US" altLang="ja-JP"/>
+              <a:t>(accept)</a:t>
+            </a:r>
+            <a:r>
+              <a:rPr kumimoji="1" lang="ja-JP" altLang="en-US"/>
+              <a:t>か元の場所に戻る</a:t>
+            </a:r>
+            <a:r>
+              <a:rPr kumimoji="1" lang="en-US" altLang="ja-JP"/>
+              <a:t>(reject)</a:t>
+            </a:r>
+            <a:r>
+              <a:rPr kumimoji="1" lang="ja-JP" altLang="en-US"/>
+              <a:t>か決める</a:t>
+            </a:r>
+          </a:p>
+        </p:txBody>
+      </p:sp>
+      <p:grpSp>
+        <p:nvGrpSpPr>
+          <p:cNvPr id="23" name="グループ化 22">
+            <a:extLst>
+              <a:ext uri="{FF2B5EF4-FFF2-40B4-BE49-F238E27FC236}">
+                <a16:creationId xmlns:a16="http://schemas.microsoft.com/office/drawing/2014/main" id="{8C0A757A-63F6-CC43-B1B6-89C0B6CB1C7E}"/>
+              </a:ext>
+            </a:extLst>
+          </p:cNvPr>
+          <p:cNvGrpSpPr/>
+          <p:nvPr/>
+        </p:nvGrpSpPr>
+        <p:grpSpPr>
+          <a:xfrm>
+            <a:off x="2576736" y="692696"/>
+            <a:ext cx="792088" cy="1381654"/>
+            <a:chOff x="3944888" y="3933056"/>
+            <a:chExt cx="792088" cy="1381654"/>
+          </a:xfrm>
+        </p:grpSpPr>
+        <p:pic>
+          <p:nvPicPr>
+            <p:cNvPr id="24" name="図 23">
+              <a:extLst>
+                <a:ext uri="{FF2B5EF4-FFF2-40B4-BE49-F238E27FC236}">
+                  <a16:creationId xmlns:a16="http://schemas.microsoft.com/office/drawing/2014/main" id="{A53BE1EF-EC41-F647-AC65-B2B2EBB287B4}"/>
+                </a:ext>
+              </a:extLst>
+            </p:cNvPr>
+            <p:cNvPicPr>
+              <a:picLocks noChangeAspect="1"/>
+            </p:cNvPicPr>
+            <p:nvPr/>
+          </p:nvPicPr>
+          <p:blipFill>
+            <a:blip r:embed="rId2"/>
+            <a:stretch>
+              <a:fillRect/>
+            </a:stretch>
+          </p:blipFill>
+          <p:spPr>
+            <a:xfrm>
+              <a:off x="3944888" y="4077072"/>
+              <a:ext cx="792088" cy="1237638"/>
+            </a:xfrm>
+            <a:prstGeom prst="rect">
+              <a:avLst/>
+            </a:prstGeom>
+          </p:spPr>
+        </p:pic>
+        <p:sp>
+          <p:nvSpPr>
+            <p:cNvPr id="25" name="正方形/長方形 24">
+              <a:extLst>
+                <a:ext uri="{FF2B5EF4-FFF2-40B4-BE49-F238E27FC236}">
+                  <a16:creationId xmlns:a16="http://schemas.microsoft.com/office/drawing/2014/main" id="{EB65F0CC-CA4B-214B-A2B5-A387FCA933FA}"/>
+                </a:ext>
+              </a:extLst>
+            </p:cNvPr>
+            <p:cNvSpPr/>
+            <p:nvPr/>
+          </p:nvSpPr>
+          <p:spPr>
+            <a:xfrm>
+              <a:off x="4016896" y="3933056"/>
+              <a:ext cx="720080" cy="1368152"/>
+            </a:xfrm>
+            <a:prstGeom prst="rect">
+              <a:avLst/>
+            </a:prstGeom>
+            <a:solidFill>
+              <a:srgbClr val="FFFFFF">
+                <a:alpha val="72549"/>
+              </a:srgbClr>
+            </a:solidFill>
+            <a:ln>
+              <a:noFill/>
+            </a:ln>
+          </p:spPr>
+          <p:style>
+            <a:lnRef idx="2">
+              <a:schemeClr val="accent1">
+                <a:shade val="50000"/>
+              </a:schemeClr>
+            </a:lnRef>
+            <a:fillRef idx="1">
+              <a:schemeClr val="accent1"/>
+            </a:fillRef>
+            <a:effectRef idx="0">
+              <a:schemeClr val="accent1"/>
+            </a:effectRef>
+            <a:fontRef idx="minor">
+              <a:schemeClr val="lt1"/>
+            </a:fontRef>
+          </p:style>
+          <p:txBody>
+            <a:bodyPr rtlCol="0" anchor="ctr"/>
+            <a:lstStyle/>
+            <a:p>
+              <a:pPr algn="ctr"/>
+              <a:endParaRPr kumimoji="1" lang="ja-JP" altLang="en-US"/>
+            </a:p>
+          </p:txBody>
+        </p:sp>
+      </p:grpSp>
+      <p:grpSp>
+        <p:nvGrpSpPr>
+          <p:cNvPr id="26" name="グループ化 25">
+            <a:extLst>
+              <a:ext uri="{FF2B5EF4-FFF2-40B4-BE49-F238E27FC236}">
+                <a16:creationId xmlns:a16="http://schemas.microsoft.com/office/drawing/2014/main" id="{1CF4E0C6-1A36-4147-9E62-F3EA876C0D7E}"/>
+              </a:ext>
+            </a:extLst>
+          </p:cNvPr>
+          <p:cNvGrpSpPr/>
+          <p:nvPr/>
+        </p:nvGrpSpPr>
+        <p:grpSpPr>
+          <a:xfrm flipH="1">
+            <a:off x="5313040" y="1844824"/>
+            <a:ext cx="750807" cy="1309646"/>
+            <a:chOff x="3944888" y="3933056"/>
+            <a:chExt cx="792088" cy="1381654"/>
+          </a:xfrm>
+        </p:grpSpPr>
+        <p:pic>
+          <p:nvPicPr>
+            <p:cNvPr id="27" name="図 26">
+              <a:extLst>
+                <a:ext uri="{FF2B5EF4-FFF2-40B4-BE49-F238E27FC236}">
+                  <a16:creationId xmlns:a16="http://schemas.microsoft.com/office/drawing/2014/main" id="{BDCE1EB6-D813-E04F-803E-C299B53A521C}"/>
+                </a:ext>
+              </a:extLst>
+            </p:cNvPr>
+            <p:cNvPicPr>
+              <a:picLocks noChangeAspect="1"/>
+            </p:cNvPicPr>
+            <p:nvPr/>
+          </p:nvPicPr>
+          <p:blipFill>
+            <a:blip r:embed="rId2"/>
+            <a:stretch>
+              <a:fillRect/>
+            </a:stretch>
+          </p:blipFill>
+          <p:spPr>
+            <a:xfrm>
+              <a:off x="3944888" y="4077072"/>
+              <a:ext cx="792088" cy="1237638"/>
+            </a:xfrm>
+            <a:prstGeom prst="rect">
+              <a:avLst/>
+            </a:prstGeom>
+          </p:spPr>
+        </p:pic>
+        <p:sp>
+          <p:nvSpPr>
+            <p:cNvPr id="28" name="正方形/長方形 27">
+              <a:extLst>
+                <a:ext uri="{FF2B5EF4-FFF2-40B4-BE49-F238E27FC236}">
+                  <a16:creationId xmlns:a16="http://schemas.microsoft.com/office/drawing/2014/main" id="{87CCFC61-9E1B-B945-B112-7F9E9EA258A3}"/>
+                </a:ext>
+              </a:extLst>
+            </p:cNvPr>
+            <p:cNvSpPr/>
+            <p:nvPr/>
+          </p:nvSpPr>
+          <p:spPr>
+            <a:xfrm>
+              <a:off x="4016896" y="3933056"/>
+              <a:ext cx="720080" cy="1368152"/>
+            </a:xfrm>
+            <a:prstGeom prst="rect">
+              <a:avLst/>
+            </a:prstGeom>
+            <a:solidFill>
+              <a:srgbClr val="FFFFFF">
+                <a:alpha val="72549"/>
+              </a:srgbClr>
+            </a:solidFill>
+            <a:ln>
+              <a:noFill/>
+            </a:ln>
+          </p:spPr>
+          <p:style>
+            <a:lnRef idx="2">
+              <a:schemeClr val="accent1">
+                <a:shade val="50000"/>
+              </a:schemeClr>
+            </a:lnRef>
+            <a:fillRef idx="1">
+              <a:schemeClr val="accent1"/>
+            </a:fillRef>
+            <a:effectRef idx="0">
+              <a:schemeClr val="accent1"/>
+            </a:effectRef>
+            <a:fontRef idx="minor">
+              <a:schemeClr val="lt1"/>
+            </a:fontRef>
+          </p:style>
+          <p:txBody>
+            <a:bodyPr rtlCol="0" anchor="ctr"/>
+            <a:lstStyle/>
+            <a:p>
+              <a:pPr algn="ctr"/>
+              <a:endParaRPr kumimoji="1" lang="ja-JP" altLang="en-US"/>
+            </a:p>
+          </p:txBody>
+        </p:sp>
+      </p:grpSp>
+      <p:pic>
+        <p:nvPicPr>
+          <p:cNvPr id="32" name="図 31">
+            <a:extLst>
+              <a:ext uri="{FF2B5EF4-FFF2-40B4-BE49-F238E27FC236}">
+                <a16:creationId xmlns:a16="http://schemas.microsoft.com/office/drawing/2014/main" id="{7FFC118F-A5CC-014F-86E3-5503C2E454BA}"/>
+              </a:ext>
+            </a:extLst>
+          </p:cNvPr>
+          <p:cNvPicPr>
+            <a:picLocks noChangeAspect="1"/>
+          </p:cNvPicPr>
+          <p:nvPr/>
+        </p:nvPicPr>
+        <p:blipFill>
+          <a:blip r:embed="rId2"/>
+          <a:stretch>
+            <a:fillRect/>
+          </a:stretch>
+        </p:blipFill>
+        <p:spPr>
+          <a:xfrm>
+            <a:off x="4160912" y="5301208"/>
+            <a:ext cx="792088" cy="1237638"/>
+          </a:xfrm>
+          <a:prstGeom prst="rect">
+            <a:avLst/>
+          </a:prstGeom>
+        </p:spPr>
+      </p:pic>
+      <p:grpSp>
+        <p:nvGrpSpPr>
+          <p:cNvPr id="33" name="グループ化 32">
+            <a:extLst>
+              <a:ext uri="{FF2B5EF4-FFF2-40B4-BE49-F238E27FC236}">
+                <a16:creationId xmlns:a16="http://schemas.microsoft.com/office/drawing/2014/main" id="{ED8062E7-AD35-D142-B7B5-945F5F5D13CE}"/>
+              </a:ext>
+            </a:extLst>
+          </p:cNvPr>
+          <p:cNvGrpSpPr/>
+          <p:nvPr/>
+        </p:nvGrpSpPr>
+        <p:grpSpPr>
+          <a:xfrm>
+            <a:off x="2720752" y="4581128"/>
+            <a:ext cx="792088" cy="1381654"/>
+            <a:chOff x="3944888" y="3933056"/>
+            <a:chExt cx="792088" cy="1381654"/>
+          </a:xfrm>
+        </p:grpSpPr>
+        <p:pic>
+          <p:nvPicPr>
+            <p:cNvPr id="34" name="図 33">
+              <a:extLst>
+                <a:ext uri="{FF2B5EF4-FFF2-40B4-BE49-F238E27FC236}">
+                  <a16:creationId xmlns:a16="http://schemas.microsoft.com/office/drawing/2014/main" id="{FC5012F7-83FC-4840-B8D7-6E459B2E1E9B}"/>
+                </a:ext>
+              </a:extLst>
+            </p:cNvPr>
+            <p:cNvPicPr>
+              <a:picLocks noChangeAspect="1"/>
+            </p:cNvPicPr>
+            <p:nvPr/>
+          </p:nvPicPr>
+          <p:blipFill>
+            <a:blip r:embed="rId2"/>
+            <a:stretch>
+              <a:fillRect/>
+            </a:stretch>
+          </p:blipFill>
+          <p:spPr>
+            <a:xfrm>
+              <a:off x="3944888" y="4077072"/>
+              <a:ext cx="792088" cy="1237638"/>
+            </a:xfrm>
+            <a:prstGeom prst="rect">
+              <a:avLst/>
+            </a:prstGeom>
+          </p:spPr>
+        </p:pic>
+        <p:sp>
+          <p:nvSpPr>
+            <p:cNvPr id="35" name="正方形/長方形 34">
+              <a:extLst>
+                <a:ext uri="{FF2B5EF4-FFF2-40B4-BE49-F238E27FC236}">
+                  <a16:creationId xmlns:a16="http://schemas.microsoft.com/office/drawing/2014/main" id="{B09BC569-D970-7547-9258-DD9F6BE8DE0E}"/>
+                </a:ext>
+              </a:extLst>
+            </p:cNvPr>
+            <p:cNvSpPr/>
+            <p:nvPr/>
+          </p:nvSpPr>
+          <p:spPr>
+            <a:xfrm>
+              <a:off x="4016896" y="3933056"/>
+              <a:ext cx="720080" cy="1368152"/>
+            </a:xfrm>
+            <a:prstGeom prst="rect">
+              <a:avLst/>
+            </a:prstGeom>
+            <a:solidFill>
+              <a:srgbClr val="FFFFFF">
+                <a:alpha val="72549"/>
+              </a:srgbClr>
+            </a:solidFill>
+            <a:ln>
+              <a:noFill/>
+            </a:ln>
+          </p:spPr>
+          <p:style>
+            <a:lnRef idx="2">
+              <a:schemeClr val="accent1">
+                <a:shade val="50000"/>
+              </a:schemeClr>
+            </a:lnRef>
+            <a:fillRef idx="1">
+              <a:schemeClr val="accent1"/>
+            </a:fillRef>
+            <a:effectRef idx="0">
+              <a:schemeClr val="accent1"/>
+            </a:effectRef>
+            <a:fontRef idx="minor">
+              <a:schemeClr val="lt1"/>
+            </a:fontRef>
+          </p:style>
+          <p:txBody>
+            <a:bodyPr rtlCol="0" anchor="ctr"/>
+            <a:lstStyle/>
+            <a:p>
+              <a:pPr algn="ctr"/>
+              <a:endParaRPr kumimoji="1" lang="ja-JP" altLang="en-US"/>
+            </a:p>
+          </p:txBody>
+        </p:sp>
+      </p:grpSp>
+      <p:cxnSp>
+        <p:nvCxnSpPr>
+          <p:cNvPr id="37" name="直線矢印コネクタ 36">
+            <a:extLst>
+              <a:ext uri="{FF2B5EF4-FFF2-40B4-BE49-F238E27FC236}">
+                <a16:creationId xmlns:a16="http://schemas.microsoft.com/office/drawing/2014/main" id="{DA49495A-D9DA-C04A-9A14-B0AE00F133ED}"/>
+              </a:ext>
+            </a:extLst>
+          </p:cNvPr>
+          <p:cNvCxnSpPr>
+            <a:cxnSpLocks/>
+            <a:stCxn id="2" idx="3"/>
+          </p:cNvCxnSpPr>
+          <p:nvPr/>
+        </p:nvCxnSpPr>
+        <p:spPr>
+          <a:xfrm>
+            <a:off x="4808984" y="2031595"/>
+            <a:ext cx="576064" cy="317285"/>
+          </a:xfrm>
+          <a:prstGeom prst="straightConnector1">
+            <a:avLst/>
+          </a:prstGeom>
+          <a:ln>
+            <a:solidFill>
+              <a:schemeClr val="tx1"/>
+            </a:solidFill>
+            <a:tailEnd type="triangle"/>
+          </a:ln>
+        </p:spPr>
+        <p:style>
+          <a:lnRef idx="1">
+            <a:schemeClr val="accent1"/>
+          </a:lnRef>
+          <a:fillRef idx="0">
+            <a:schemeClr val="accent1"/>
+          </a:fillRef>
+          <a:effectRef idx="0">
+            <a:schemeClr val="accent1"/>
+          </a:effectRef>
+          <a:fontRef idx="minor">
+            <a:schemeClr val="tx1"/>
+          </a:fontRef>
+        </p:style>
+      </p:cxnSp>
+      <p:cxnSp>
+        <p:nvCxnSpPr>
+          <p:cNvPr id="39" name="直線矢印コネクタ 38">
+            <a:extLst>
+              <a:ext uri="{FF2B5EF4-FFF2-40B4-BE49-F238E27FC236}">
+                <a16:creationId xmlns:a16="http://schemas.microsoft.com/office/drawing/2014/main" id="{8A2E5BDF-1999-4C46-8A17-E1B9E86C1CB3}"/>
+              </a:ext>
+            </a:extLst>
+          </p:cNvPr>
+          <p:cNvCxnSpPr>
+            <a:cxnSpLocks/>
+            <a:endCxn id="25" idx="3"/>
+          </p:cNvCxnSpPr>
+          <p:nvPr/>
+        </p:nvCxnSpPr>
+        <p:spPr>
+          <a:xfrm flipH="1" flipV="1">
+            <a:off x="3368824" y="1376772"/>
+            <a:ext cx="648072" cy="324036"/>
+          </a:xfrm>
+          <a:prstGeom prst="straightConnector1">
+            <a:avLst/>
+          </a:prstGeom>
+          <a:ln>
+            <a:solidFill>
+              <a:schemeClr val="tx1"/>
+            </a:solidFill>
+            <a:tailEnd type="triangle"/>
+          </a:ln>
+        </p:spPr>
+        <p:style>
+          <a:lnRef idx="1">
+            <a:schemeClr val="accent1"/>
+          </a:lnRef>
+          <a:fillRef idx="0">
+            <a:schemeClr val="accent1"/>
+          </a:fillRef>
+          <a:effectRef idx="0">
+            <a:schemeClr val="accent1"/>
+          </a:effectRef>
+          <a:fontRef idx="minor">
+            <a:schemeClr val="tx1"/>
+          </a:fontRef>
+        </p:style>
+      </p:cxnSp>
+      <p:cxnSp>
+        <p:nvCxnSpPr>
+          <p:cNvPr id="43" name="直線矢印コネクタ 42">
+            <a:extLst>
+              <a:ext uri="{FF2B5EF4-FFF2-40B4-BE49-F238E27FC236}">
+                <a16:creationId xmlns:a16="http://schemas.microsoft.com/office/drawing/2014/main" id="{114FB87F-39CB-E747-B44A-A6F3EF47FD4F}"/>
+              </a:ext>
+            </a:extLst>
+          </p:cNvPr>
+          <p:cNvCxnSpPr/>
+          <p:nvPr/>
+        </p:nvCxnSpPr>
+        <p:spPr>
+          <a:xfrm flipH="1" flipV="1">
+            <a:off x="3512840" y="5301208"/>
+            <a:ext cx="576064" cy="360040"/>
+          </a:xfrm>
+          <a:prstGeom prst="straightConnector1">
+            <a:avLst/>
+          </a:prstGeom>
+          <a:ln>
+            <a:solidFill>
+              <a:schemeClr val="tx1"/>
+            </a:solidFill>
+            <a:tailEnd type="triangle"/>
+          </a:ln>
+        </p:spPr>
+        <p:style>
+          <a:lnRef idx="1">
+            <a:schemeClr val="accent1"/>
+          </a:lnRef>
+          <a:fillRef idx="0">
+            <a:schemeClr val="accent1"/>
+          </a:fillRef>
+          <a:effectRef idx="0">
+            <a:schemeClr val="accent1"/>
+          </a:effectRef>
+          <a:fontRef idx="minor">
+            <a:schemeClr val="tx1"/>
+          </a:fontRef>
+        </p:style>
+      </p:cxnSp>
+      <p:pic>
+        <p:nvPicPr>
+          <p:cNvPr id="45" name="図 44">
+            <a:extLst>
+              <a:ext uri="{FF2B5EF4-FFF2-40B4-BE49-F238E27FC236}">
+                <a16:creationId xmlns:a16="http://schemas.microsoft.com/office/drawing/2014/main" id="{3495EAB7-0934-4949-864E-202ADE90C439}"/>
+              </a:ext>
+            </a:extLst>
+          </p:cNvPr>
+          <p:cNvPicPr>
+            <a:picLocks noChangeAspect="1"/>
+          </p:cNvPicPr>
+          <p:nvPr/>
+        </p:nvPicPr>
+        <p:blipFill>
+          <a:blip r:embed="rId4"/>
+          <a:stretch>
+            <a:fillRect/>
+          </a:stretch>
+        </p:blipFill>
+        <p:spPr>
+          <a:xfrm>
+            <a:off x="3656856" y="5013176"/>
+            <a:ext cx="405904" cy="405904"/>
+          </a:xfrm>
+          <a:prstGeom prst="rect">
+            <a:avLst/>
+          </a:prstGeom>
+        </p:spPr>
+      </p:pic>
+      <p:pic>
+        <p:nvPicPr>
+          <p:cNvPr id="46" name="図 45">
+            <a:extLst>
+              <a:ext uri="{FF2B5EF4-FFF2-40B4-BE49-F238E27FC236}">
+                <a16:creationId xmlns:a16="http://schemas.microsoft.com/office/drawing/2014/main" id="{3AA4C254-E1C9-2244-8641-FF333452D74D}"/>
+              </a:ext>
+            </a:extLst>
+          </p:cNvPr>
+          <p:cNvPicPr>
+            <a:picLocks noChangeAspect="1"/>
+          </p:cNvPicPr>
+          <p:nvPr/>
+        </p:nvPicPr>
+        <p:blipFill>
+          <a:blip r:embed="rId5"/>
+          <a:stretch>
+            <a:fillRect/>
+          </a:stretch>
+        </p:blipFill>
+        <p:spPr>
+          <a:xfrm>
+            <a:off x="3656856" y="5661248"/>
+            <a:ext cx="432048" cy="432048"/>
+          </a:xfrm>
+          <a:prstGeom prst="rect">
+            <a:avLst/>
+          </a:prstGeom>
+        </p:spPr>
+      </p:pic>
+      <p:grpSp>
+        <p:nvGrpSpPr>
+          <p:cNvPr id="55" name="グループ化 54">
+            <a:extLst>
+              <a:ext uri="{FF2B5EF4-FFF2-40B4-BE49-F238E27FC236}">
+                <a16:creationId xmlns:a16="http://schemas.microsoft.com/office/drawing/2014/main" id="{13659551-177A-D742-A038-17821022ED71}"/>
+              </a:ext>
+            </a:extLst>
+          </p:cNvPr>
+          <p:cNvGrpSpPr/>
+          <p:nvPr/>
+        </p:nvGrpSpPr>
+        <p:grpSpPr>
+          <a:xfrm>
+            <a:off x="2288704" y="2132856"/>
+            <a:ext cx="4320480" cy="1296144"/>
+            <a:chOff x="2288704" y="2132856"/>
+            <a:chExt cx="4320480" cy="1296144"/>
+          </a:xfrm>
+        </p:grpSpPr>
+        <p:cxnSp>
+          <p:nvCxnSpPr>
+            <p:cNvPr id="48" name="直線コネクタ 47">
+              <a:extLst>
+                <a:ext uri="{FF2B5EF4-FFF2-40B4-BE49-F238E27FC236}">
+                  <a16:creationId xmlns:a16="http://schemas.microsoft.com/office/drawing/2014/main" id="{75DF6A30-07FE-534C-A217-E38E65852F50}"/>
+                </a:ext>
+              </a:extLst>
+            </p:cNvPr>
+            <p:cNvCxnSpPr/>
+            <p:nvPr/>
+          </p:nvCxnSpPr>
+          <p:spPr>
+            <a:xfrm>
+              <a:off x="2288704" y="2132856"/>
+              <a:ext cx="1440160" cy="0"/>
+            </a:xfrm>
+            <a:prstGeom prst="line">
+              <a:avLst/>
+            </a:prstGeom>
+            <a:ln>
+              <a:solidFill>
+                <a:schemeClr val="tx1"/>
+              </a:solidFill>
+            </a:ln>
+          </p:spPr>
+          <p:style>
+            <a:lnRef idx="1">
+              <a:schemeClr val="accent1"/>
+            </a:lnRef>
+            <a:fillRef idx="0">
+              <a:schemeClr val="accent1"/>
+            </a:fillRef>
+            <a:effectRef idx="0">
+              <a:schemeClr val="accent1"/>
+            </a:effectRef>
+            <a:fontRef idx="minor">
+              <a:schemeClr val="tx1"/>
+            </a:fontRef>
+          </p:style>
+        </p:cxnSp>
+        <p:cxnSp>
+          <p:nvCxnSpPr>
+            <p:cNvPr id="49" name="直線コネクタ 48">
+              <a:extLst>
+                <a:ext uri="{FF2B5EF4-FFF2-40B4-BE49-F238E27FC236}">
+                  <a16:creationId xmlns:a16="http://schemas.microsoft.com/office/drawing/2014/main" id="{5FBAFF43-F773-2D40-BF09-F14A73059DA8}"/>
+                </a:ext>
+              </a:extLst>
+            </p:cNvPr>
+            <p:cNvCxnSpPr>
+              <a:cxnSpLocks/>
+            </p:cNvCxnSpPr>
+            <p:nvPr/>
+          </p:nvCxnSpPr>
+          <p:spPr>
+            <a:xfrm>
+              <a:off x="3728864" y="2132856"/>
+              <a:ext cx="0" cy="648072"/>
+            </a:xfrm>
+            <a:prstGeom prst="line">
+              <a:avLst/>
+            </a:prstGeom>
+            <a:ln>
+              <a:solidFill>
+                <a:schemeClr val="tx1"/>
+              </a:solidFill>
+            </a:ln>
+          </p:spPr>
+          <p:style>
+            <a:lnRef idx="1">
+              <a:schemeClr val="accent1"/>
+            </a:lnRef>
+            <a:fillRef idx="0">
+              <a:schemeClr val="accent1"/>
+            </a:fillRef>
+            <a:effectRef idx="0">
+              <a:schemeClr val="accent1"/>
+            </a:effectRef>
+            <a:fontRef idx="minor">
+              <a:schemeClr val="tx1"/>
+            </a:fontRef>
+          </p:style>
+        </p:cxnSp>
+        <p:cxnSp>
+          <p:nvCxnSpPr>
+            <p:cNvPr id="52" name="直線コネクタ 51">
+              <a:extLst>
+                <a:ext uri="{FF2B5EF4-FFF2-40B4-BE49-F238E27FC236}">
+                  <a16:creationId xmlns:a16="http://schemas.microsoft.com/office/drawing/2014/main" id="{606C8C46-F236-5B4C-B098-29169A476D62}"/>
+                </a:ext>
+              </a:extLst>
+            </p:cNvPr>
+            <p:cNvCxnSpPr/>
+            <p:nvPr/>
+          </p:nvCxnSpPr>
+          <p:spPr>
+            <a:xfrm>
+              <a:off x="3728864" y="2780928"/>
+              <a:ext cx="1440160" cy="0"/>
+            </a:xfrm>
+            <a:prstGeom prst="line">
+              <a:avLst/>
+            </a:prstGeom>
+            <a:ln>
+              <a:solidFill>
+                <a:schemeClr val="tx1"/>
+              </a:solidFill>
+            </a:ln>
+          </p:spPr>
+          <p:style>
+            <a:lnRef idx="1">
+              <a:schemeClr val="accent1"/>
+            </a:lnRef>
+            <a:fillRef idx="0">
+              <a:schemeClr val="accent1"/>
+            </a:fillRef>
+            <a:effectRef idx="0">
+              <a:schemeClr val="accent1"/>
+            </a:effectRef>
+            <a:fontRef idx="minor">
+              <a:schemeClr val="tx1"/>
+            </a:fontRef>
+          </p:style>
+        </p:cxnSp>
+        <p:cxnSp>
+          <p:nvCxnSpPr>
+            <p:cNvPr id="53" name="直線コネクタ 52">
+              <a:extLst>
+                <a:ext uri="{FF2B5EF4-FFF2-40B4-BE49-F238E27FC236}">
+                  <a16:creationId xmlns:a16="http://schemas.microsoft.com/office/drawing/2014/main" id="{2ECCC33D-FD1B-1A4F-AC32-D99BFC1D2BB3}"/>
+                </a:ext>
+              </a:extLst>
+            </p:cNvPr>
+            <p:cNvCxnSpPr>
+              <a:cxnSpLocks/>
+            </p:cNvCxnSpPr>
+            <p:nvPr/>
+          </p:nvCxnSpPr>
+          <p:spPr>
+            <a:xfrm>
+              <a:off x="5169024" y="2780928"/>
+              <a:ext cx="0" cy="648072"/>
+            </a:xfrm>
+            <a:prstGeom prst="line">
+              <a:avLst/>
+            </a:prstGeom>
+            <a:ln>
+              <a:solidFill>
+                <a:schemeClr val="tx1"/>
+              </a:solidFill>
+            </a:ln>
+          </p:spPr>
+          <p:style>
+            <a:lnRef idx="1">
+              <a:schemeClr val="accent1"/>
+            </a:lnRef>
+            <a:fillRef idx="0">
+              <a:schemeClr val="accent1"/>
+            </a:fillRef>
+            <a:effectRef idx="0">
+              <a:schemeClr val="accent1"/>
+            </a:effectRef>
+            <a:fontRef idx="minor">
+              <a:schemeClr val="tx1"/>
+            </a:fontRef>
+          </p:style>
+        </p:cxnSp>
+        <p:cxnSp>
+          <p:nvCxnSpPr>
+            <p:cNvPr id="54" name="直線コネクタ 53">
+              <a:extLst>
+                <a:ext uri="{FF2B5EF4-FFF2-40B4-BE49-F238E27FC236}">
+                  <a16:creationId xmlns:a16="http://schemas.microsoft.com/office/drawing/2014/main" id="{106985F1-8D1B-1A41-A0C0-4CAF58F110F5}"/>
+                </a:ext>
+              </a:extLst>
+            </p:cNvPr>
+            <p:cNvCxnSpPr/>
+            <p:nvPr/>
+          </p:nvCxnSpPr>
+          <p:spPr>
+            <a:xfrm>
+              <a:off x="5169024" y="3429000"/>
+              <a:ext cx="1440160" cy="0"/>
+            </a:xfrm>
+            <a:prstGeom prst="line">
+              <a:avLst/>
+            </a:prstGeom>
+            <a:ln>
+              <a:solidFill>
+                <a:schemeClr val="tx1"/>
+              </a:solidFill>
+            </a:ln>
+          </p:spPr>
+          <p:style>
+            <a:lnRef idx="1">
+              <a:schemeClr val="accent1"/>
+            </a:lnRef>
+            <a:fillRef idx="0">
+              <a:schemeClr val="accent1"/>
+            </a:fillRef>
+            <a:effectRef idx="0">
+              <a:schemeClr val="accent1"/>
+            </a:effectRef>
+            <a:fontRef idx="minor">
+              <a:schemeClr val="tx1"/>
+            </a:fontRef>
+          </p:style>
+        </p:cxnSp>
+      </p:grpSp>
+      <p:cxnSp>
+        <p:nvCxnSpPr>
+          <p:cNvPr id="57" name="直線コネクタ 56">
+            <a:extLst>
+              <a:ext uri="{FF2B5EF4-FFF2-40B4-BE49-F238E27FC236}">
+                <a16:creationId xmlns:a16="http://schemas.microsoft.com/office/drawing/2014/main" id="{E9351AC0-52AE-3B4F-9D2D-0B3EB34E6843}"/>
+              </a:ext>
+            </a:extLst>
+          </p:cNvPr>
+          <p:cNvCxnSpPr/>
+          <p:nvPr/>
+        </p:nvCxnSpPr>
+        <p:spPr>
+          <a:xfrm>
+            <a:off x="2432720" y="6093296"/>
+            <a:ext cx="1440160" cy="0"/>
+          </a:xfrm>
+          <a:prstGeom prst="line">
+            <a:avLst/>
+          </a:prstGeom>
+          <a:ln>
+            <a:solidFill>
+              <a:schemeClr val="tx1"/>
+            </a:solidFill>
+          </a:ln>
+        </p:spPr>
+        <p:style>
+          <a:lnRef idx="1">
+            <a:schemeClr val="accent1"/>
+          </a:lnRef>
+          <a:fillRef idx="0">
+            <a:schemeClr val="accent1"/>
+          </a:fillRef>
+          <a:effectRef idx="0">
+            <a:schemeClr val="accent1"/>
+          </a:effectRef>
+          <a:fontRef idx="minor">
+            <a:schemeClr val="tx1"/>
+          </a:fontRef>
+        </p:style>
+      </p:cxnSp>
+      <p:cxnSp>
+        <p:nvCxnSpPr>
+          <p:cNvPr id="58" name="直線コネクタ 57">
+            <a:extLst>
+              <a:ext uri="{FF2B5EF4-FFF2-40B4-BE49-F238E27FC236}">
+                <a16:creationId xmlns:a16="http://schemas.microsoft.com/office/drawing/2014/main" id="{A9C94969-6F06-614B-B92A-07930280910A}"/>
+              </a:ext>
+            </a:extLst>
+          </p:cNvPr>
+          <p:cNvCxnSpPr>
+            <a:cxnSpLocks/>
+          </p:cNvCxnSpPr>
+          <p:nvPr/>
+        </p:nvCxnSpPr>
+        <p:spPr>
+          <a:xfrm>
+            <a:off x="3872880" y="6093296"/>
+            <a:ext cx="0" cy="648072"/>
+          </a:xfrm>
+          <a:prstGeom prst="line">
+            <a:avLst/>
+          </a:prstGeom>
+          <a:ln>
+            <a:solidFill>
+              <a:schemeClr val="tx1"/>
+            </a:solidFill>
+          </a:ln>
+        </p:spPr>
+        <p:style>
+          <a:lnRef idx="1">
+            <a:schemeClr val="accent1"/>
+          </a:lnRef>
+          <a:fillRef idx="0">
+            <a:schemeClr val="accent1"/>
+          </a:fillRef>
+          <a:effectRef idx="0">
+            <a:schemeClr val="accent1"/>
+          </a:effectRef>
+          <a:fontRef idx="minor">
+            <a:schemeClr val="tx1"/>
+          </a:fontRef>
+        </p:style>
+      </p:cxnSp>
+      <p:cxnSp>
+        <p:nvCxnSpPr>
+          <p:cNvPr id="59" name="直線コネクタ 58">
+            <a:extLst>
+              <a:ext uri="{FF2B5EF4-FFF2-40B4-BE49-F238E27FC236}">
+                <a16:creationId xmlns:a16="http://schemas.microsoft.com/office/drawing/2014/main" id="{0F57FCF3-E363-7944-8386-9FACFDC85E4D}"/>
+              </a:ext>
+            </a:extLst>
+          </p:cNvPr>
+          <p:cNvCxnSpPr/>
+          <p:nvPr/>
+        </p:nvCxnSpPr>
+        <p:spPr>
+          <a:xfrm>
+            <a:off x="3872880" y="6741368"/>
+            <a:ext cx="1440160" cy="0"/>
+          </a:xfrm>
+          <a:prstGeom prst="line">
+            <a:avLst/>
+          </a:prstGeom>
+          <a:ln>
+            <a:solidFill>
+              <a:schemeClr val="tx1"/>
+            </a:solidFill>
+          </a:ln>
+        </p:spPr>
+        <p:style>
+          <a:lnRef idx="1">
+            <a:schemeClr val="accent1"/>
+          </a:lnRef>
+          <a:fillRef idx="0">
+            <a:schemeClr val="accent1"/>
+          </a:fillRef>
+          <a:effectRef idx="0">
+            <a:schemeClr val="accent1"/>
+          </a:effectRef>
+          <a:fontRef idx="minor">
+            <a:schemeClr val="tx1"/>
+          </a:fontRef>
+        </p:style>
+      </p:cxnSp>
+    </p:spTree>
+    <p:extLst>
+      <p:ext uri="{BB962C8B-B14F-4D97-AF65-F5344CB8AC3E}">
+        <p14:creationId xmlns:p14="http://schemas.microsoft.com/office/powerpoint/2010/main" val="3423752048"/>
+      </p:ext>
+    </p:extLst>
+  </p:cSld>
+  <p:clrMapOvr>
+    <a:masterClrMapping/>
+  </p:clrMapOvr>
+</p:sld>
+</file>
+
+<file path=ppt/slides/slide3.xml><?xml version="1.0" encoding="utf-8"?>
+<p:sld xmlns:a="http://schemas.openxmlformats.org/drawingml/2006/main" xmlns:r="http://schemas.openxmlformats.org/officeDocument/2006/relationships" xmlns:p="http://schemas.openxmlformats.org/presentationml/2006/main">
+  <p:cSld>
+    <p:spTree>
+      <p:nvGrpSpPr>
+        <p:cNvPr id="1" name=""/>
+        <p:cNvGrpSpPr/>
+        <p:nvPr/>
+      </p:nvGrpSpPr>
+      <p:grpSpPr>
+        <a:xfrm>
+          <a:off x="0" y="0"/>
+          <a:ext cx="0" cy="0"/>
+          <a:chOff x="0" y="0"/>
+          <a:chExt cx="0" cy="0"/>
+        </a:xfrm>
+      </p:grpSpPr>
+      <p:sp>
+        <p:nvSpPr>
+          <p:cNvPr id="2" name="フリーフォーム 1">
+            <a:extLst>
+              <a:ext uri="{FF2B5EF4-FFF2-40B4-BE49-F238E27FC236}">
+                <a16:creationId xmlns:a16="http://schemas.microsoft.com/office/drawing/2014/main" id="{D9D9EC9A-7455-B844-AD45-CDFD7CBFB78F}"/>
+              </a:ext>
+            </a:extLst>
+          </p:cNvPr>
+          <p:cNvSpPr/>
+          <p:nvPr/>
+        </p:nvSpPr>
+        <p:spPr>
+          <a:xfrm>
+            <a:off x="1424608" y="1340768"/>
+            <a:ext cx="4752528" cy="1470403"/>
+          </a:xfrm>
+          <a:custGeom>
+            <a:avLst/>
+            <a:gdLst>
+              <a:gd name="connsiteX0" fmla="*/ 0 w 4389120"/>
+              <a:gd name="connsiteY0" fmla="*/ 0 h 1830443"/>
+              <a:gd name="connsiteX1" fmla="*/ 989703 w 4389120"/>
+              <a:gd name="connsiteY1" fmla="*/ 1065007 h 1830443"/>
+              <a:gd name="connsiteX2" fmla="*/ 1785769 w 4389120"/>
+              <a:gd name="connsiteY2" fmla="*/ 656216 h 1830443"/>
+              <a:gd name="connsiteX3" fmla="*/ 3087445 w 4389120"/>
+              <a:gd name="connsiteY3" fmla="*/ 1828800 h 1830443"/>
+              <a:gd name="connsiteX4" fmla="*/ 4389120 w 4389120"/>
+              <a:gd name="connsiteY4" fmla="*/ 860612 h 1830443"/>
+            </a:gdLst>
+            <a:ahLst/>
+            <a:cxnLst>
+              <a:cxn ang="0">
+                <a:pos x="connsiteX0" y="connsiteY0"/>
+              </a:cxn>
+              <a:cxn ang="0">
+                <a:pos x="connsiteX1" y="connsiteY1"/>
+              </a:cxn>
+              <a:cxn ang="0">
+                <a:pos x="connsiteX2" y="connsiteY2"/>
+              </a:cxn>
+              <a:cxn ang="0">
+                <a:pos x="connsiteX3" y="connsiteY3"/>
+              </a:cxn>
+              <a:cxn ang="0">
+                <a:pos x="connsiteX4" y="connsiteY4"/>
+              </a:cxn>
+            </a:cxnLst>
+            <a:rect l="l" t="t" r="r" b="b"/>
+            <a:pathLst>
+              <a:path w="4389120" h="1830443">
+                <a:moveTo>
+                  <a:pt x="0" y="0"/>
+                </a:moveTo>
+                <a:cubicBezTo>
+                  <a:pt x="346037" y="477819"/>
+                  <a:pt x="692075" y="955638"/>
+                  <a:pt x="989703" y="1065007"/>
+                </a:cubicBezTo>
+                <a:cubicBezTo>
+                  <a:pt x="1287331" y="1174376"/>
+                  <a:pt x="1436145" y="528917"/>
+                  <a:pt x="1785769" y="656216"/>
+                </a:cubicBezTo>
+                <a:cubicBezTo>
+                  <a:pt x="2135393" y="783515"/>
+                  <a:pt x="2653553" y="1794734"/>
+                  <a:pt x="3087445" y="1828800"/>
+                </a:cubicBezTo>
+                <a:cubicBezTo>
+                  <a:pt x="3521337" y="1862866"/>
+                  <a:pt x="3955228" y="1361739"/>
+                  <a:pt x="4389120" y="860612"/>
+                </a:cubicBezTo>
+              </a:path>
+            </a:pathLst>
+          </a:custGeom>
+          <a:noFill/>
+          <a:ln>
+            <a:solidFill>
+              <a:schemeClr val="tx1"/>
+            </a:solidFill>
+          </a:ln>
+        </p:spPr>
+        <p:style>
+          <a:lnRef idx="2">
+            <a:schemeClr val="accent1">
+              <a:shade val="50000"/>
+            </a:schemeClr>
+          </a:lnRef>
+          <a:fillRef idx="1">
+            <a:schemeClr val="accent1"/>
+          </a:fillRef>
+          <a:effectRef idx="0">
+            <a:schemeClr val="accent1"/>
+          </a:effectRef>
+          <a:fontRef idx="minor">
+            <a:schemeClr val="lt1"/>
+          </a:fontRef>
+        </p:style>
+        <p:txBody>
+          <a:bodyPr rtlCol="0" anchor="ctr"/>
+          <a:lstStyle/>
+          <a:p>
+            <a:pPr algn="ctr"/>
+            <a:endParaRPr kumimoji="1" lang="ja-JP" altLang="en-US"/>
+          </a:p>
+        </p:txBody>
+      </p:sp>
+      <p:pic>
+        <p:nvPicPr>
+          <p:cNvPr id="3" name="図 2">
+            <a:extLst>
+              <a:ext uri="{FF2B5EF4-FFF2-40B4-BE49-F238E27FC236}">
+                <a16:creationId xmlns:a16="http://schemas.microsoft.com/office/drawing/2014/main" id="{09E6E240-2E63-1343-9780-660FE4CDEC27}"/>
+              </a:ext>
+            </a:extLst>
+          </p:cNvPr>
+          <p:cNvPicPr>
+            <a:picLocks noChangeAspect="1"/>
+          </p:cNvPicPr>
+          <p:nvPr/>
+        </p:nvPicPr>
+        <p:blipFill>
+          <a:blip r:embed="rId2"/>
+          <a:stretch>
+            <a:fillRect/>
+          </a:stretch>
+        </p:blipFill>
+        <p:spPr>
+          <a:xfrm>
+            <a:off x="2360712" y="1556792"/>
+            <a:ext cx="377322" cy="589566"/>
+          </a:xfrm>
+          <a:prstGeom prst="rect">
+            <a:avLst/>
+          </a:prstGeom>
+        </p:spPr>
+      </p:pic>
+      <p:sp>
+        <p:nvSpPr>
+          <p:cNvPr id="4" name="テキスト ボックス 3">
+            <a:extLst>
+              <a:ext uri="{FF2B5EF4-FFF2-40B4-BE49-F238E27FC236}">
+                <a16:creationId xmlns:a16="http://schemas.microsoft.com/office/drawing/2014/main" id="{6212A5DF-B459-6847-9A21-0E7BF39E0D62}"/>
+              </a:ext>
+            </a:extLst>
+          </p:cNvPr>
+          <p:cNvSpPr txBox="1"/>
+          <p:nvPr/>
+        </p:nvSpPr>
+        <p:spPr>
+          <a:xfrm>
+            <a:off x="1136576" y="404664"/>
+            <a:ext cx="6647974" cy="369332"/>
+          </a:xfrm>
+          <a:prstGeom prst="rect">
+            <a:avLst/>
+          </a:prstGeom>
+          <a:noFill/>
+        </p:spPr>
+        <p:txBody>
+          <a:bodyPr wrap="none" rtlCol="0">
+            <a:spAutoFit/>
+          </a:bodyPr>
+          <a:lstStyle/>
+          <a:p>
+            <a:r>
+              <a:rPr kumimoji="1" lang="ja-JP" altLang="en-US"/>
+              <a:t>温度が低すぎると近視眼的になり、より低い地形に気づかない</a:t>
+            </a:r>
+          </a:p>
+        </p:txBody>
+      </p:sp>
+      <p:sp>
+        <p:nvSpPr>
+          <p:cNvPr id="5" name="テキスト ボックス 4">
+            <a:extLst>
+              <a:ext uri="{FF2B5EF4-FFF2-40B4-BE49-F238E27FC236}">
+                <a16:creationId xmlns:a16="http://schemas.microsoft.com/office/drawing/2014/main" id="{B85B2239-65A2-AE41-9827-7140C0CE679E}"/>
+              </a:ext>
+            </a:extLst>
+          </p:cNvPr>
+          <p:cNvSpPr txBox="1"/>
+          <p:nvPr/>
+        </p:nvSpPr>
+        <p:spPr>
+          <a:xfrm>
+            <a:off x="1136576" y="3356992"/>
+            <a:ext cx="5955476" cy="369332"/>
+          </a:xfrm>
+          <a:prstGeom prst="rect">
+            <a:avLst/>
+          </a:prstGeom>
+          <a:noFill/>
+        </p:spPr>
+        <p:txBody>
+          <a:bodyPr wrap="none" rtlCol="0">
+            <a:spAutoFit/>
+          </a:bodyPr>
+          <a:lstStyle/>
+          <a:p>
+            <a:r>
+              <a:rPr kumimoji="1" lang="ja-JP" altLang="en-US"/>
+              <a:t>温度が高すぎると視界が粗すぎ、地形を無視してしまう</a:t>
+            </a:r>
+          </a:p>
+        </p:txBody>
+      </p:sp>
+      <p:pic>
+        <p:nvPicPr>
+          <p:cNvPr id="8" name="図 7">
+            <a:extLst>
+              <a:ext uri="{FF2B5EF4-FFF2-40B4-BE49-F238E27FC236}">
+                <a16:creationId xmlns:a16="http://schemas.microsoft.com/office/drawing/2014/main" id="{4C60C4C8-8A9E-B844-AC66-525F19BAF702}"/>
+              </a:ext>
+            </a:extLst>
+          </p:cNvPr>
+          <p:cNvPicPr>
+            <a:picLocks noChangeAspect="1"/>
+          </p:cNvPicPr>
+          <p:nvPr/>
+        </p:nvPicPr>
+        <p:blipFill>
+          <a:blip r:embed="rId3"/>
+          <a:stretch>
+            <a:fillRect/>
+          </a:stretch>
+        </p:blipFill>
+        <p:spPr>
+          <a:xfrm>
+            <a:off x="2072680" y="3933056"/>
+            <a:ext cx="3528392" cy="1656184"/>
+          </a:xfrm>
+          <a:prstGeom prst="rect">
+            <a:avLst/>
+          </a:prstGeom>
+        </p:spPr>
+      </p:pic>
+      <p:sp>
+        <p:nvSpPr>
+          <p:cNvPr id="9" name="フリーフォーム 8">
+            <a:extLst>
+              <a:ext uri="{FF2B5EF4-FFF2-40B4-BE49-F238E27FC236}">
+                <a16:creationId xmlns:a16="http://schemas.microsoft.com/office/drawing/2014/main" id="{FF16FCEE-0CFE-BF4A-86EF-6E52BAA80B9B}"/>
+              </a:ext>
+            </a:extLst>
+          </p:cNvPr>
+          <p:cNvSpPr/>
+          <p:nvPr/>
+        </p:nvSpPr>
+        <p:spPr>
+          <a:xfrm>
+            <a:off x="1712640" y="4797152"/>
+            <a:ext cx="4752528" cy="1470403"/>
+          </a:xfrm>
+          <a:custGeom>
+            <a:avLst/>
+            <a:gdLst>
+              <a:gd name="connsiteX0" fmla="*/ 0 w 4389120"/>
+              <a:gd name="connsiteY0" fmla="*/ 0 h 1830443"/>
+              <a:gd name="connsiteX1" fmla="*/ 989703 w 4389120"/>
+              <a:gd name="connsiteY1" fmla="*/ 1065007 h 1830443"/>
+              <a:gd name="connsiteX2" fmla="*/ 1785769 w 4389120"/>
+              <a:gd name="connsiteY2" fmla="*/ 656216 h 1830443"/>
+              <a:gd name="connsiteX3" fmla="*/ 3087445 w 4389120"/>
+              <a:gd name="connsiteY3" fmla="*/ 1828800 h 1830443"/>
+              <a:gd name="connsiteX4" fmla="*/ 4389120 w 4389120"/>
+              <a:gd name="connsiteY4" fmla="*/ 860612 h 1830443"/>
+            </a:gdLst>
+            <a:ahLst/>
+            <a:cxnLst>
+              <a:cxn ang="0">
+                <a:pos x="connsiteX0" y="connsiteY0"/>
+              </a:cxn>
+              <a:cxn ang="0">
+                <a:pos x="connsiteX1" y="connsiteY1"/>
+              </a:cxn>
+              <a:cxn ang="0">
+                <a:pos x="connsiteX2" y="connsiteY2"/>
+              </a:cxn>
+              <a:cxn ang="0">
+                <a:pos x="connsiteX3" y="connsiteY3"/>
+              </a:cxn>
+              <a:cxn ang="0">
+                <a:pos x="connsiteX4" y="connsiteY4"/>
+              </a:cxn>
+            </a:cxnLst>
+            <a:rect l="l" t="t" r="r" b="b"/>
+            <a:pathLst>
+              <a:path w="4389120" h="1830443">
+                <a:moveTo>
+                  <a:pt x="0" y="0"/>
+                </a:moveTo>
+                <a:cubicBezTo>
+                  <a:pt x="346037" y="477819"/>
+                  <a:pt x="692075" y="955638"/>
+                  <a:pt x="989703" y="1065007"/>
+                </a:cubicBezTo>
+                <a:cubicBezTo>
+                  <a:pt x="1287331" y="1174376"/>
+                  <a:pt x="1436145" y="528917"/>
+                  <a:pt x="1785769" y="656216"/>
+                </a:cubicBezTo>
+                <a:cubicBezTo>
+                  <a:pt x="2135393" y="783515"/>
+                  <a:pt x="2653553" y="1794734"/>
+                  <a:pt x="3087445" y="1828800"/>
+                </a:cubicBezTo>
+                <a:cubicBezTo>
+                  <a:pt x="3521337" y="1862866"/>
+                  <a:pt x="3955228" y="1361739"/>
+                  <a:pt x="4389120" y="860612"/>
+                </a:cubicBezTo>
+              </a:path>
+            </a:pathLst>
+          </a:custGeom>
+          <a:noFill/>
+          <a:ln>
+            <a:solidFill>
+              <a:schemeClr val="tx1"/>
+            </a:solidFill>
+          </a:ln>
+        </p:spPr>
+        <p:style>
+          <a:lnRef idx="2">
+            <a:schemeClr val="accent1">
+              <a:shade val="50000"/>
+            </a:schemeClr>
+          </a:lnRef>
+          <a:fillRef idx="1">
+            <a:schemeClr val="accent1"/>
+          </a:fillRef>
+          <a:effectRef idx="0">
+            <a:schemeClr val="accent1"/>
+          </a:effectRef>
+          <a:fontRef idx="minor">
+            <a:schemeClr val="lt1"/>
+          </a:fontRef>
+        </p:style>
+        <p:txBody>
+          <a:bodyPr rtlCol="0" anchor="ctr"/>
+          <a:lstStyle/>
+          <a:p>
+            <a:pPr algn="ctr"/>
+            <a:endParaRPr kumimoji="1" lang="ja-JP" altLang="en-US"/>
+          </a:p>
+        </p:txBody>
+      </p:sp>
+    </p:spTree>
+    <p:extLst>
+      <p:ext uri="{BB962C8B-B14F-4D97-AF65-F5344CB8AC3E}">
+        <p14:creationId xmlns:p14="http://schemas.microsoft.com/office/powerpoint/2010/main" val="1986123625"/>
       </p:ext>
     </p:extLst>
   </p:cSld>
